--- a/Final Presentation.pptx
+++ b/Final Presentation.pptx
@@ -219,7 +219,7 @@
           <a:p>
             <a:fld id="{8906F081-8781-4431-8FD4-2CF608CD7C47}" type="datetimeFigureOut">
               <a:rPr lang="en-US" smtClean="0"/>
-              <a:t>3/15/18</a:t>
+              <a:t>3/16/18</a:t>
             </a:fld>
             <a:endParaRPr lang="en-US"/>
           </a:p>
@@ -384,7 +384,7 @@
           <a:p>
             <a:fld id="{F06CA47C-B7FD-4BE9-B0E6-81BA758D95F2}" type="datetimeFigureOut">
               <a:rPr lang="en-US" smtClean="0"/>
-              <a:t>3/15/18</a:t>
+              <a:t>3/16/18</a:t>
             </a:fld>
             <a:endParaRPr lang="en-US"/>
           </a:p>
@@ -895,7 +895,7 @@
           <a:p>
             <a:fld id="{33024136-D290-48F3-A182-4C46BEB5146B}" type="datetime1">
               <a:rPr lang="en-US" smtClean="0"/>
-              <a:t>3/15/18</a:t>
+              <a:t>3/16/18</a:t>
             </a:fld>
             <a:endParaRPr lang="en-US" dirty="0"/>
           </a:p>
@@ -1079,7 +1079,7 @@
           <a:p>
             <a:fld id="{9CC7D44C-38B1-4D0F-9006-D5774F331095}" type="datetime1">
               <a:rPr lang="en-US" smtClean="0"/>
-              <a:t>3/15/18</a:t>
+              <a:t>3/16/18</a:t>
             </a:fld>
             <a:endParaRPr lang="en-US"/>
           </a:p>
@@ -1273,7 +1273,7 @@
           <a:p>
             <a:fld id="{F98D518A-FD4F-4358-B95B-9DB5A17160FB}" type="datetime1">
               <a:rPr lang="en-US" smtClean="0"/>
-              <a:t>3/15/18</a:t>
+              <a:t>3/16/18</a:t>
             </a:fld>
             <a:endParaRPr lang="en-US"/>
           </a:p>
@@ -1466,7 +1466,7 @@
           <a:p>
             <a:fld id="{5E2A9F4F-03AD-4497-A65D-076601BD41D2}" type="datetime1">
               <a:rPr lang="en-US" smtClean="0"/>
-              <a:t>3/15/18</a:t>
+              <a:t>3/16/18</a:t>
             </a:fld>
             <a:endParaRPr lang="en-US"/>
           </a:p>
@@ -1689,7 +1689,7 @@
           <a:p>
             <a:fld id="{EDFBF3AC-A781-43AA-8BD5-B12F49168B94}" type="datetime1">
               <a:rPr lang="en-US" smtClean="0"/>
-              <a:t>3/15/18</a:t>
+              <a:t>3/16/18</a:t>
             </a:fld>
             <a:endParaRPr lang="en-US"/>
           </a:p>
@@ -1974,7 +1974,7 @@
           <a:p>
             <a:fld id="{C5256A41-C91B-43FF-9881-F5DA9878418F}" type="datetime1">
               <a:rPr lang="en-US" smtClean="0"/>
-              <a:t>3/15/18</a:t>
+              <a:t>3/16/18</a:t>
             </a:fld>
             <a:endParaRPr lang="en-US"/>
           </a:p>
@@ -2377,7 +2377,7 @@
           <a:p>
             <a:fld id="{FFD7AA76-41EE-4C13-950E-E611B8B8FC52}" type="datetime1">
               <a:rPr lang="en-US" smtClean="0"/>
-              <a:t>3/15/18</a:t>
+              <a:t>3/16/18</a:t>
             </a:fld>
             <a:endParaRPr lang="en-US"/>
           </a:p>
@@ -2524,7 +2524,7 @@
           <a:p>
             <a:fld id="{89407A26-E7BC-4498-97E4-87AF12377CA9}" type="datetime1">
               <a:rPr lang="en-US" smtClean="0"/>
-              <a:t>3/15/18</a:t>
+              <a:t>3/16/18</a:t>
             </a:fld>
             <a:endParaRPr lang="en-US"/>
           </a:p>
@@ -2639,7 +2639,7 @@
           <a:p>
             <a:fld id="{93EA4171-1117-4486-993C-35A7470D8847}" type="datetime1">
               <a:rPr lang="en-US" smtClean="0"/>
-              <a:t>3/15/18</a:t>
+              <a:t>3/16/18</a:t>
             </a:fld>
             <a:endParaRPr lang="en-US"/>
           </a:p>
@@ -2911,7 +2911,7 @@
           <a:p>
             <a:fld id="{472A4CB8-1563-4663-81DB-74EB416C19BE}" type="datetime1">
               <a:rPr lang="en-US" smtClean="0"/>
-              <a:t>3/15/18</a:t>
+              <a:t>3/16/18</a:t>
             </a:fld>
             <a:endParaRPr lang="en-US"/>
           </a:p>
@@ -3247,7 +3247,7 @@
           <a:p>
             <a:fld id="{0C6724CE-2468-448B-87C1-A92EDD78369B}" type="datetime1">
               <a:rPr lang="en-US" smtClean="0"/>
-              <a:t>3/15/18</a:t>
+              <a:t>3/16/18</a:t>
             </a:fld>
             <a:endParaRPr lang="en-US"/>
           </a:p>
@@ -3508,7 +3508,7 @@
           <a:p>
             <a:fld id="{4CD11720-76E7-46E6-B0AA-057287C42052}" type="datetime1">
               <a:rPr lang="en-US" smtClean="0"/>
-              <a:t>3/15/18</a:t>
+              <a:t>3/16/18</a:t>
             </a:fld>
             <a:endParaRPr lang="en-US" dirty="0"/>
           </a:p>
@@ -4031,7 +4031,7 @@
           <p:cNvPr id="1026" name="Picture 2" descr="Image result for cooperstown hall of fame">
             <a:extLst>
               <a:ext uri="{FF2B5EF4-FFF2-40B4-BE49-F238E27FC236}">
-                <a16:creationId xmlns:a16="http://schemas.microsoft.com/office/drawing/2014/main" xmlns="" id="{2348D177-6020-43FE-BD3C-7C491CA47D9E}"/>
+                <a16:creationId xmlns="" xmlns:a16="http://schemas.microsoft.com/office/drawing/2014/main" id="{2348D177-6020-43FE-BD3C-7C491CA47D9E}"/>
               </a:ext>
             </a:extLst>
           </p:cNvPr>
@@ -4244,6 +4244,13 @@
       </p:transition>
     </mc:Fallback>
   </mc:AlternateContent>
+  <p:timing>
+    <p:tnLst>
+      <p:par>
+        <p:cTn id="1" dur="indefinite" restart="never" nodeType="tmRoot"/>
+      </p:par>
+    </p:tnLst>
+  </p:timing>
 </p:sld>
 </file>
 
@@ -4264,6 +4271,36 @@
           <a:chExt cx="0" cy="0"/>
         </a:xfrm>
       </p:grpSpPr>
+      <p:pic>
+        <p:nvPicPr>
+          <p:cNvPr id="3" name="Picture 2"/>
+          <p:cNvPicPr>
+            <a:picLocks noChangeAspect="1"/>
+          </p:cNvPicPr>
+          <p:nvPr/>
+        </p:nvPicPr>
+        <p:blipFill>
+          <a:blip r:embed="rId2">
+            <a:extLst>
+              <a:ext uri="{28A0092B-C50C-407E-A947-70E740481C1C}">
+                <a14:useLocalDpi xmlns:a14="http://schemas.microsoft.com/office/drawing/2010/main" val="0"/>
+              </a:ext>
+            </a:extLst>
+          </a:blip>
+          <a:stretch>
+            <a:fillRect/>
+          </a:stretch>
+        </p:blipFill>
+        <p:spPr>
+          <a:xfrm>
+            <a:off x="6519672" y="2752695"/>
+            <a:ext cx="4498848" cy="3749040"/>
+          </a:xfrm>
+          <a:prstGeom prst="rect">
+            <a:avLst/>
+          </a:prstGeom>
+        </p:spPr>
+      </p:pic>
       <p:sp>
         <p:nvSpPr>
           <p:cNvPr id="13" name="Title 12"/>
@@ -4298,13 +4335,13 @@
         </p:nvSpPr>
         <p:spPr>
           <a:xfrm>
-            <a:off x="483577" y="1642050"/>
+            <a:off x="334108" y="1228812"/>
             <a:ext cx="5612423" cy="4978557"/>
           </a:xfrm>
         </p:spPr>
         <p:txBody>
           <a:bodyPr>
-            <a:normAutofit/>
+            <a:normAutofit lnSpcReduction="10000"/>
           </a:bodyPr>
           <a:lstStyle/>
           <a:p>
@@ -4400,15 +4437,27 @@
           <a:p>
             <a:pPr lvl="1"/>
             <a:r>
-              <a:rPr lang="en-US" sz="2000" dirty="0"/>
+              <a:rPr lang="en-US" sz="2000" dirty="0" smtClean="0"/>
               <a:t>WAR</a:t>
             </a:r>
           </a:p>
           <a:p>
             <a:r>
-              <a:rPr lang="en-US" sz="2800" dirty="0"/>
-              <a:t>Score of .91 from a sample size of .74 for a lift of .17</a:t>
-            </a:r>
+              <a:rPr lang="en-US" sz="2400" dirty="0" smtClean="0"/>
+              <a:t>Applied a Random Forest Classifier</a:t>
+            </a:r>
+            <a:endParaRPr lang="en-US" sz="2400" dirty="0"/>
+          </a:p>
+          <a:p>
+            <a:r>
+              <a:rPr lang="en-US" sz="2400" dirty="0"/>
+              <a:t>Score of .91 from a </a:t>
+            </a:r>
+            <a:r>
+              <a:rPr lang="en-US" sz="2400" dirty="0" smtClean="0"/>
+              <a:t>74/26 split (nonHOF/HOF)</a:t>
+            </a:r>
+            <a:endParaRPr lang="en-US" sz="2400" dirty="0"/>
           </a:p>
           <a:p>
             <a:pPr marL="454914" lvl="1" indent="0">
@@ -4423,7 +4472,7 @@
           <p:cNvPr id="10" name="Picture 9">
             <a:extLst>
               <a:ext uri="{FF2B5EF4-FFF2-40B4-BE49-F238E27FC236}">
-                <a16:creationId xmlns:a16="http://schemas.microsoft.com/office/drawing/2014/main" xmlns="" id="{DB7B5046-6D54-4EAC-B53B-71FAEEFB65BA}"/>
+                <a16:creationId xmlns="" xmlns:a16="http://schemas.microsoft.com/office/drawing/2014/main" id="{DB7B5046-6D54-4EAC-B53B-71FAEEFB65BA}"/>
               </a:ext>
             </a:extLst>
           </p:cNvPr>
@@ -4433,15 +4482,45 @@
           <p:nvPr/>
         </p:nvPicPr>
         <p:blipFill>
-          <a:blip r:embed="rId2"/>
+          <a:blip r:embed="rId3"/>
           <a:stretch>
             <a:fillRect/>
           </a:stretch>
         </p:blipFill>
         <p:spPr>
           <a:xfrm>
-            <a:off x="7578969" y="1304651"/>
-            <a:ext cx="3266332" cy="4628045"/>
+            <a:off x="9433302" y="164592"/>
+            <a:ext cx="2451108" cy="3472960"/>
+          </a:xfrm>
+          <a:prstGeom prst="rect">
+            <a:avLst/>
+          </a:prstGeom>
+        </p:spPr>
+      </p:pic>
+      <p:pic>
+        <p:nvPicPr>
+          <p:cNvPr id="4" name="Picture 3"/>
+          <p:cNvPicPr>
+            <a:picLocks noChangeAspect="1"/>
+          </p:cNvPicPr>
+          <p:nvPr/>
+        </p:nvPicPr>
+        <p:blipFill>
+          <a:blip r:embed="rId4">
+            <a:extLst>
+              <a:ext uri="{28A0092B-C50C-407E-A947-70E740481C1C}">
+                <a14:useLocalDpi xmlns:a14="http://schemas.microsoft.com/office/drawing/2010/main" val="0"/>
+              </a:ext>
+            </a:extLst>
+          </a:blip>
+          <a:stretch>
+            <a:fillRect/>
+          </a:stretch>
+        </p:blipFill>
+        <p:spPr>
+          <a:xfrm>
+            <a:off x="5056632" y="1568499"/>
+            <a:ext cx="4239768" cy="1116244"/>
           </a:xfrm>
           <a:prstGeom prst="rect">
             <a:avLst/>
@@ -4470,6 +4549,13 @@
       </p:transition>
     </mc:Fallback>
   </mc:AlternateContent>
+  <p:timing>
+    <p:tnLst>
+      <p:par>
+        <p:cTn id="1" dur="indefinite" restart="never" nodeType="tmRoot"/>
+      </p:par>
+    </p:tnLst>
+  </p:timing>
 </p:sld>
 </file>
 
@@ -4490,6 +4576,36 @@
           <a:chExt cx="0" cy="0"/>
         </a:xfrm>
       </p:grpSpPr>
+      <p:pic>
+        <p:nvPicPr>
+          <p:cNvPr id="4" name="Picture 3">
+            <a:extLst>
+              <a:ext uri="{FF2B5EF4-FFF2-40B4-BE49-F238E27FC236}">
+                <a16:creationId xmlns="" xmlns:a16="http://schemas.microsoft.com/office/drawing/2014/main" id="{73A2E189-D2FC-4EF6-9FA2-C6CC805D9F9C}"/>
+              </a:ext>
+            </a:extLst>
+          </p:cNvPr>
+          <p:cNvPicPr>
+            <a:picLocks noChangeAspect="1"/>
+          </p:cNvPicPr>
+          <p:nvPr/>
+        </p:nvPicPr>
+        <p:blipFill>
+          <a:blip r:embed="rId2"/>
+          <a:stretch>
+            <a:fillRect/>
+          </a:stretch>
+        </p:blipFill>
+        <p:spPr>
+          <a:xfrm>
+            <a:off x="9755728" y="630935"/>
+            <a:ext cx="2137959" cy="3014355"/>
+          </a:xfrm>
+          <a:prstGeom prst="rect">
+            <a:avLst/>
+          </a:prstGeom>
+        </p:spPr>
+      </p:pic>
       <p:sp>
         <p:nvSpPr>
           <p:cNvPr id="13" name="Title 12"/>
@@ -4517,7 +4633,7 @@
           <p:cNvPr id="9" name="Content Placeholder 13">
             <a:extLst>
               <a:ext uri="{FF2B5EF4-FFF2-40B4-BE49-F238E27FC236}">
-                <a16:creationId xmlns:a16="http://schemas.microsoft.com/office/drawing/2014/main" xmlns="" id="{8F725289-FF2D-4D3A-8ABF-7665129F08A0}"/>
+                <a16:creationId xmlns="" xmlns:a16="http://schemas.microsoft.com/office/drawing/2014/main" id="{8F725289-FF2D-4D3A-8ABF-7665129F08A0}"/>
               </a:ext>
             </a:extLst>
           </p:cNvPr>
@@ -4528,8 +4644,8 @@
         </p:nvSpPr>
         <p:spPr>
           <a:xfrm>
-            <a:off x="5908431" y="1642051"/>
-            <a:ext cx="5612423" cy="4934596"/>
+            <a:off x="5899639" y="1177992"/>
+            <a:ext cx="5758961" cy="5140278"/>
           </a:xfrm>
           <a:prstGeom prst="rect">
             <a:avLst/>
@@ -4779,15 +4895,44 @@
             <a:pPr lvl="1"/>
             <a:r>
               <a:rPr lang="en-US" sz="2000" dirty="0"/>
-              <a:t>We did not use any negative stats (losses/runs/walks)</a:t>
-            </a:r>
+              <a:t>We did not use any negative stats (losses/runs/walks</a:t>
+            </a:r>
+            <a:r>
+              <a:rPr lang="en-US" sz="2000" dirty="0" smtClean="0"/>
+              <a:t>)</a:t>
+            </a:r>
+            <a:endParaRPr lang="en-US" sz="2000" dirty="0"/>
+          </a:p>
+          <a:p>
+            <a:r>
+              <a:rPr lang="en-US" sz="2400" dirty="0" smtClean="0"/>
+              <a:t>Applied </a:t>
+            </a:r>
+            <a:r>
+              <a:rPr lang="en-US" sz="2400" dirty="0"/>
+              <a:t>a Random Forest </a:t>
+            </a:r>
+            <a:r>
+              <a:rPr lang="en-US" sz="2400" dirty="0" smtClean="0"/>
+              <a:t>Classifier</a:t>
+            </a:r>
+            <a:endParaRPr lang="en-US" sz="2400" dirty="0" smtClean="0"/>
           </a:p>
           <a:p>
             <a:pPr marL="582930" indent="-457200"/>
             <a:r>
-              <a:rPr lang="en-US" sz="2800" dirty="0"/>
-              <a:t>Score of .92 from a sample size of .75 for a lift of .17</a:t>
-            </a:r>
+              <a:rPr lang="en-US" sz="2400" dirty="0" smtClean="0"/>
+              <a:t>Score </a:t>
+            </a:r>
+            <a:r>
+              <a:rPr lang="en-US" sz="2400" dirty="0"/>
+              <a:t>of .92 from </a:t>
+            </a:r>
+            <a:r>
+              <a:rPr lang="en-US" sz="2400" dirty="0" smtClean="0"/>
+              <a:t>a 75/25 split (nonHOF/HOF)</a:t>
+            </a:r>
+            <a:endParaRPr lang="en-US" sz="2400" dirty="0"/>
           </a:p>
           <a:p>
             <a:pPr marL="454914" lvl="1" indent="0">
@@ -4800,28 +4945,58 @@
       </p:sp>
       <p:pic>
         <p:nvPicPr>
-          <p:cNvPr id="4" name="Picture 3">
-            <a:extLst>
-              <a:ext uri="{FF2B5EF4-FFF2-40B4-BE49-F238E27FC236}">
-                <a16:creationId xmlns:a16="http://schemas.microsoft.com/office/drawing/2014/main" xmlns="" id="{73A2E189-D2FC-4EF6-9FA2-C6CC805D9F9C}"/>
-              </a:ext>
-            </a:extLst>
-          </p:cNvPr>
+          <p:cNvPr id="2" name="Picture 1"/>
           <p:cNvPicPr>
             <a:picLocks noChangeAspect="1"/>
           </p:cNvPicPr>
           <p:nvPr/>
         </p:nvPicPr>
         <p:blipFill>
-          <a:blip r:embed="rId2"/>
+          <a:blip r:embed="rId3">
+            <a:extLst>
+              <a:ext uri="{28A0092B-C50C-407E-A947-70E740481C1C}">
+                <a14:useLocalDpi xmlns:a14="http://schemas.microsoft.com/office/drawing/2010/main" val="0"/>
+              </a:ext>
+            </a:extLst>
+          </a:blip>
           <a:stretch>
             <a:fillRect/>
           </a:stretch>
         </p:blipFill>
         <p:spPr>
           <a:xfrm>
-            <a:off x="1344125" y="1433147"/>
-            <a:ext cx="3417342" cy="4818184"/>
+            <a:off x="473025" y="5115949"/>
+            <a:ext cx="5185664" cy="1202321"/>
+          </a:xfrm>
+          <a:prstGeom prst="rect">
+            <a:avLst/>
+          </a:prstGeom>
+        </p:spPr>
+      </p:pic>
+      <p:pic>
+        <p:nvPicPr>
+          <p:cNvPr id="5" name="Picture 4"/>
+          <p:cNvPicPr>
+            <a:picLocks noChangeAspect="1"/>
+          </p:cNvPicPr>
+          <p:nvPr/>
+        </p:nvPicPr>
+        <p:blipFill>
+          <a:blip r:embed="rId4">
+            <a:extLst>
+              <a:ext uri="{28A0092B-C50C-407E-A947-70E740481C1C}">
+                <a14:useLocalDpi xmlns:a14="http://schemas.microsoft.com/office/drawing/2010/main" val="0"/>
+              </a:ext>
+            </a:extLst>
+          </a:blip>
+          <a:stretch>
+            <a:fillRect/>
+          </a:stretch>
+        </p:blipFill>
+        <p:spPr>
+          <a:xfrm>
+            <a:off x="473023" y="1426464"/>
+            <a:ext cx="5185665" cy="3578469"/>
           </a:xfrm>
           <a:prstGeom prst="rect">
             <a:avLst/>
@@ -4850,6 +5025,13 @@
       </p:transition>
     </mc:Fallback>
   </mc:AlternateContent>
+  <p:timing>
+    <p:tnLst>
+      <p:par>
+        <p:cTn id="1" dur="indefinite" restart="never" nodeType="tmRoot"/>
+      </p:par>
+    </p:tnLst>
+  </p:timing>
 </p:sld>
 </file>
 
@@ -4897,7 +5079,7 @@
           <p:cNvPr id="5" name="Content Placeholder 4">
             <a:extLst>
               <a:ext uri="{FF2B5EF4-FFF2-40B4-BE49-F238E27FC236}">
-                <a16:creationId xmlns:a16="http://schemas.microsoft.com/office/drawing/2014/main" xmlns="" id="{5C6782DD-F2E0-4F6D-9859-6B77BDC6B6A8}"/>
+                <a16:creationId xmlns="" xmlns:a16="http://schemas.microsoft.com/office/drawing/2014/main" id="{5C6782DD-F2E0-4F6D-9859-6B77BDC6B6A8}"/>
               </a:ext>
             </a:extLst>
           </p:cNvPr>
@@ -4910,8 +5092,8 @@
         </p:nvSpPr>
         <p:spPr>
           <a:xfrm>
-            <a:off x="619124" y="1503486"/>
-            <a:ext cx="10626237" cy="4792980"/>
+            <a:off x="609599" y="1503486"/>
+            <a:ext cx="11172091" cy="4792980"/>
           </a:xfrm>
         </p:spPr>
         <p:txBody>
@@ -4922,25 +5104,29 @@
           <a:p>
             <a:r>
               <a:rPr lang="en-US" dirty="0"/>
-              <a:t>It was hard to compare players from different eras as the rules, playstyle, and levels of talents have greatly differed, the problem with comparing a single era</a:t>
+              <a:t>It is difficult to fully classify the data at this scale due to the variance in rules, playing style and talent levels across baseball eras</a:t>
             </a:r>
           </a:p>
           <a:p>
             <a:r>
               <a:rPr lang="en-US" dirty="0"/>
-              <a:t>There are a whole host of intangibles that can help or hurt a player’s hall of fame case be it leadership, off-field issues, gambling, steroids, and even race, this makes a conclusion based off pure statistics inaccurate in some areas</a:t>
-            </a:r>
-          </a:p>
-          <a:p>
+              <a:t>There are numerous intangible factors that can affect a player’s Hall of Fame chance. Aside from statistical references it is difficult to define the effects of leadership, off-field issues, gambling, steroids or even race</a:t>
+            </a:r>
+          </a:p>
+          <a:p>
+            <a:r>
+              <a:rPr lang="en-US" dirty="0" smtClean="0"/>
+              <a:t>A </a:t>
+            </a:r>
             <a:r>
               <a:rPr lang="en-US" dirty="0"/>
-              <a:t>A next step to this project would be to use this model to graph current player’s career trajectory</a:t>
+              <a:t>next step to this project would be to use this model to graph current player’s career trajectory</a:t>
             </a:r>
           </a:p>
           <a:p>
             <a:r>
               <a:rPr lang="en-US" dirty="0"/>
-              <a:t>Another application could be fitting the model, and statistics to predict the success of minor league players as pros</a:t>
+              <a:t>Another application could be scaling the dataset to Minor League statistics and fitting the model for predictive success in the Majors</a:t>
             </a:r>
           </a:p>
         </p:txBody>
@@ -4967,6 +5153,13 @@
       </p:transition>
     </mc:Fallback>
   </mc:AlternateContent>
+  <p:timing>
+    <p:tnLst>
+      <p:par>
+        <p:cTn id="1" dur="indefinite" restart="never" nodeType="tmRoot"/>
+      </p:par>
+    </p:tnLst>
+  </p:timing>
 </p:sld>
 </file>
 
